--- a/documentation/3d_chess_dmas_comments.pptx
+++ b/documentation/3d_chess_dmas_comments.pptx
@@ -211,7 +211,7 @@
           <a:p>
             <a:fld id="{95997608-F877-A844-A447-8F4AE0FF71C9}" type="datetimeFigureOut">
               <a:rPr lang="en-US" smtClean="0"/>
-              <a:t>8/10/22</a:t>
+              <a:t>8/22/22</a:t>
             </a:fld>
             <a:endParaRPr lang="en-US"/>
           </a:p>
